--- a/schedule/1_BA_Meeting.pptx
+++ b/schedule/1_BA_Meeting.pptx
@@ -222,7 +222,7 @@
             <a:pPr algn="l"/>
             <a:fld id="{741F16E5-5C90-44CC-97B1-737EAEE5390E}" type="datetime1">
               <a:rPr lang="de-DE" sz="800" smtClean="0"/>
-              <a:t>27.04.2022</a:t>
+              <a:t>17.05.2022</a:t>
             </a:fld>
             <a:endParaRPr lang="en-US" sz="800"/>
           </a:p>
@@ -417,7 +417,7 @@
           <a:p>
             <a:fld id="{99620153-02A4-412D-ADAC-CCF3CBF9D386}" type="datetime1">
               <a:rPr lang="de-DE" smtClean="0"/>
-              <a:t>27.04.2022</a:t>
+              <a:t>17.05.2022</a:t>
             </a:fld>
             <a:endParaRPr lang="en-US"/>
           </a:p>
@@ -1356,7 +1356,7 @@
           <a:p>
             <a:fld id="{70E6BEB2-48C2-4EE1-9E05-F28F3299BCF4}" type="datetime1">
               <a:rPr lang="en-GB" smtClean="0"/>
-              <a:t>27/04/2022</a:t>
+              <a:t>17/05/2022</a:t>
             </a:fld>
             <a:endParaRPr lang="de-DE" dirty="0"/>
           </a:p>
@@ -1603,7 +1603,7 @@
           <a:p>
             <a:fld id="{8E503865-B35B-4243-A406-A9782D8F15ED}" type="datetime1">
               <a:rPr lang="en-GB" smtClean="0"/>
-              <a:t>27/04/2022</a:t>
+              <a:t>17/05/2022</a:t>
             </a:fld>
             <a:endParaRPr lang="de-DE" dirty="0"/>
           </a:p>
@@ -1906,7 +1906,7 @@
           <a:p>
             <a:fld id="{5F48619E-C524-47F6-8205-0387BD8B0EC5}" type="datetime1">
               <a:rPr lang="en-GB" smtClean="0"/>
-              <a:t>27/04/2022</a:t>
+              <a:t>17/05/2022</a:t>
             </a:fld>
             <a:endParaRPr lang="de-DE" dirty="0"/>
           </a:p>
@@ -2218,7 +2218,7 @@
           <a:p>
             <a:fld id="{AB5A7CF5-5297-41A8-BBB4-C9EE907613EE}" type="datetime1">
               <a:rPr lang="en-GB" smtClean="0"/>
-              <a:t>27/04/2022</a:t>
+              <a:t>17/05/2022</a:t>
             </a:fld>
             <a:endParaRPr lang="de-DE" dirty="0"/>
           </a:p>
@@ -2645,7 +2645,7 @@
           <a:p>
             <a:fld id="{250888B4-E62D-44DC-AED6-3753274E8085}" type="datetime1">
               <a:rPr lang="en-GB" smtClean="0"/>
-              <a:t>27/04/2022</a:t>
+              <a:t>17/05/2022</a:t>
             </a:fld>
             <a:endParaRPr lang="de-DE" dirty="0"/>
           </a:p>
@@ -3208,7 +3208,7 @@
           <a:p>
             <a:fld id="{19FF7494-88BA-4505-A079-DD0DAFDCE40C}" type="datetime1">
               <a:rPr lang="en-GB" smtClean="0"/>
-              <a:t>27/04/2022</a:t>
+              <a:t>17/05/2022</a:t>
             </a:fld>
             <a:endParaRPr lang="de-DE" dirty="0"/>
           </a:p>
@@ -3593,7 +3593,7 @@
           <a:p>
             <a:fld id="{00B47180-7AA3-40DB-BE6F-E2611F09D17F}" type="datetime1">
               <a:rPr lang="en-GB" smtClean="0"/>
-              <a:t>27/04/2022</a:t>
+              <a:t>17/05/2022</a:t>
             </a:fld>
             <a:endParaRPr lang="de-DE" dirty="0"/>
           </a:p>
@@ -4194,7 +4194,7 @@
           <a:p>
             <a:fld id="{DB760A15-FEE6-403E-8B89-A457E4D16669}" type="datetime1">
               <a:rPr lang="en-GB" smtClean="0"/>
-              <a:t>27/04/2022</a:t>
+              <a:t>17/05/2022</a:t>
             </a:fld>
             <a:endParaRPr lang="de-DE" dirty="0"/>
           </a:p>
@@ -5033,7 +5033,7 @@
           <a:p>
             <a:fld id="{1E9081BD-5472-4BDF-8186-06740117F499}" type="datetime1">
               <a:rPr lang="en-GB" smtClean="0"/>
-              <a:t>27/04/2022</a:t>
+              <a:t>17/05/2022</a:t>
             </a:fld>
             <a:endParaRPr lang="de-DE" dirty="0"/>
           </a:p>
@@ -6518,7 +6518,7 @@
           <a:p>
             <a:fld id="{D1B93127-1A6E-4983-902B-051FDE5E2C1D}" type="datetime1">
               <a:rPr lang="en-GB" smtClean="0"/>
-              <a:t>27/04/2022</a:t>
+              <a:t>17/05/2022</a:t>
             </a:fld>
             <a:endParaRPr lang="de-DE" dirty="0"/>
           </a:p>
@@ -6639,7 +6639,7 @@
           <a:p>
             <a:fld id="{A21DA80D-A120-4CCC-8265-575ED579FDF3}" type="datetime1">
               <a:rPr lang="en-GB" smtClean="0"/>
-              <a:t>27/04/2022</a:t>
+              <a:t>17/05/2022</a:t>
             </a:fld>
             <a:endParaRPr lang="de-DE" dirty="0"/>
           </a:p>
@@ -10006,7 +10006,7 @@
           <a:p>
             <a:fld id="{8B30BE60-6866-43BE-A977-FE272E3FEB5A}" type="datetime1">
               <a:rPr lang="en-GB" smtClean="0"/>
-              <a:t>27/04/2022</a:t>
+              <a:t>17/05/2022</a:t>
             </a:fld>
             <a:endParaRPr lang="de-DE" dirty="0"/>
           </a:p>
@@ -10189,7 +10189,7 @@
           <a:p>
             <a:fld id="{97884B52-878B-4F88-A36B-0CD058E88CA1}" type="datetime1">
               <a:rPr lang="en-GB" smtClean="0"/>
-              <a:t>27/04/2022</a:t>
+              <a:t>17/05/2022</a:t>
             </a:fld>
             <a:endParaRPr lang="de-DE" dirty="0"/>
           </a:p>
@@ -11122,7 +11122,7 @@
             <a:fld id="{8B30BE60-6866-43BE-A977-FE272E3FEB5A}" type="datetime1">
               <a:rPr lang="en-GB" smtClean="0"/>
               <a:pPr/>
-              <a:t>27/04/2022</a:t>
+              <a:t>17/05/2022</a:t>
             </a:fld>
             <a:endParaRPr lang="de-DE" dirty="0"/>
           </a:p>
@@ -11675,7 +11675,7 @@
           <a:p>
             <a:fld id="{DAFF6DC6-D146-472F-ADF2-F09E871FBE71}" type="datetime1">
               <a:rPr lang="en-GB" smtClean="0"/>
-              <a:t>27/04/2022</a:t>
+              <a:t>17/05/2022</a:t>
             </a:fld>
             <a:endParaRPr lang="de-DE" dirty="0"/>
           </a:p>
@@ -12275,7 +12275,7 @@
           <a:p>
             <a:fld id="{644405A6-A24C-4991-9FBB-01232160A38C}" type="datetime1">
               <a:rPr lang="en-GB" smtClean="0"/>
-              <a:t>27/04/2022</a:t>
+              <a:t>17/05/2022</a:t>
             </a:fld>
             <a:endParaRPr lang="en-US" dirty="0"/>
           </a:p>
@@ -13078,7 +13078,76 @@
           <a:bodyPr/>
           <a:lstStyle/>
           <a:p>
-            <a:endParaRPr lang="en-US"/>
+            <a:r>
+              <a:rPr lang="en-US" dirty="0"/>
+              <a:t>First version of table of contents</a:t>
+            </a:r>
+          </a:p>
+          <a:p>
+            <a:r>
+              <a:rPr lang="en-US" dirty="0"/>
+              <a:t>Literature Analysis</a:t>
+            </a:r>
+          </a:p>
+          <a:p>
+            <a:r>
+              <a:rPr lang="en-US" dirty="0"/>
+              <a:t>Which frameworks</a:t>
+            </a:r>
+          </a:p>
+          <a:p>
+            <a:r>
+              <a:rPr lang="en-US" dirty="0"/>
+              <a:t>Differences of Asynchronous Programming (AP) in ES6 / 7 / 8 / 9 / 10 / …</a:t>
+            </a:r>
+          </a:p>
+          <a:p>
+            <a:r>
+              <a:rPr lang="en-US" dirty="0"/>
+              <a:t>Which AP constructs for analysis? (callback, async/await, promises, generator functions)</a:t>
+            </a:r>
+          </a:p>
+          <a:p>
+            <a:r>
+              <a:rPr lang="en-US" dirty="0"/>
+              <a:t>Which Software Quality (SQ) metrics for analysis?</a:t>
+            </a:r>
+          </a:p>
+          <a:p>
+            <a:r>
+              <a:rPr lang="en-US" dirty="0"/>
+              <a:t>Which SQ detection tool? </a:t>
+            </a:r>
+          </a:p>
+          <a:p>
+            <a:r>
+              <a:rPr lang="en-US" dirty="0"/>
+              <a:t>Which bug detection tool? (SonarQube, JSNOSE, WAVE, </a:t>
+            </a:r>
+            <a:r>
+              <a:rPr lang="en-US" dirty="0" err="1"/>
+              <a:t>EventRacer</a:t>
+            </a:r>
+            <a:r>
+              <a:rPr lang="en-US" dirty="0"/>
+              <a:t>)</a:t>
+            </a:r>
+          </a:p>
+          <a:p>
+            <a:r>
+              <a:rPr lang="en-US" dirty="0"/>
+              <a:t>GitHub how to collect asynchronous JS code? </a:t>
+            </a:r>
+          </a:p>
+          <a:p>
+            <a:pPr lvl="1"/>
+            <a:r>
+              <a:rPr lang="en-US" dirty="0"/>
+              <a:t>distinction between client-side / server-side code ?</a:t>
+            </a:r>
+          </a:p>
+          <a:p>
+            <a:endParaRPr lang="en-US" dirty="0"/>
           </a:p>
         </p:txBody>
       </p:sp>

--- a/schedule/1_BA_Meeting.pptx
+++ b/schedule/1_BA_Meeting.pptx
@@ -222,7 +222,7 @@
             <a:pPr algn="l"/>
             <a:fld id="{741F16E5-5C90-44CC-97B1-737EAEE5390E}" type="datetime1">
               <a:rPr lang="de-DE" sz="800" smtClean="0"/>
-              <a:t>17.05.2022</a:t>
+              <a:t>24.05.2022</a:t>
             </a:fld>
             <a:endParaRPr lang="en-US" sz="800"/>
           </a:p>
@@ -417,7 +417,7 @@
           <a:p>
             <a:fld id="{99620153-02A4-412D-ADAC-CCF3CBF9D386}" type="datetime1">
               <a:rPr lang="de-DE" smtClean="0"/>
-              <a:t>17.05.2022</a:t>
+              <a:t>23.05.2022</a:t>
             </a:fld>
             <a:endParaRPr lang="en-US"/>
           </a:p>
@@ -1356,7 +1356,7 @@
           <a:p>
             <a:fld id="{70E6BEB2-48C2-4EE1-9E05-F28F3299BCF4}" type="datetime1">
               <a:rPr lang="en-GB" smtClean="0"/>
-              <a:t>17/05/2022</a:t>
+              <a:t>23/05/2022</a:t>
             </a:fld>
             <a:endParaRPr lang="de-DE" dirty="0"/>
           </a:p>
@@ -1603,7 +1603,7 @@
           <a:p>
             <a:fld id="{8E503865-B35B-4243-A406-A9782D8F15ED}" type="datetime1">
               <a:rPr lang="en-GB" smtClean="0"/>
-              <a:t>17/05/2022</a:t>
+              <a:t>23/05/2022</a:t>
             </a:fld>
             <a:endParaRPr lang="de-DE" dirty="0"/>
           </a:p>
@@ -1906,7 +1906,7 @@
           <a:p>
             <a:fld id="{5F48619E-C524-47F6-8205-0387BD8B0EC5}" type="datetime1">
               <a:rPr lang="en-GB" smtClean="0"/>
-              <a:t>17/05/2022</a:t>
+              <a:t>23/05/2022</a:t>
             </a:fld>
             <a:endParaRPr lang="de-DE" dirty="0"/>
           </a:p>
@@ -2218,7 +2218,7 @@
           <a:p>
             <a:fld id="{AB5A7CF5-5297-41A8-BBB4-C9EE907613EE}" type="datetime1">
               <a:rPr lang="en-GB" smtClean="0"/>
-              <a:t>17/05/2022</a:t>
+              <a:t>23/05/2022</a:t>
             </a:fld>
             <a:endParaRPr lang="de-DE" dirty="0"/>
           </a:p>
@@ -2645,7 +2645,7 @@
           <a:p>
             <a:fld id="{250888B4-E62D-44DC-AED6-3753274E8085}" type="datetime1">
               <a:rPr lang="en-GB" smtClean="0"/>
-              <a:t>17/05/2022</a:t>
+              <a:t>23/05/2022</a:t>
             </a:fld>
             <a:endParaRPr lang="de-DE" dirty="0"/>
           </a:p>
@@ -3208,7 +3208,7 @@
           <a:p>
             <a:fld id="{19FF7494-88BA-4505-A079-DD0DAFDCE40C}" type="datetime1">
               <a:rPr lang="en-GB" smtClean="0"/>
-              <a:t>17/05/2022</a:t>
+              <a:t>23/05/2022</a:t>
             </a:fld>
             <a:endParaRPr lang="de-DE" dirty="0"/>
           </a:p>
@@ -3593,7 +3593,7 @@
           <a:p>
             <a:fld id="{00B47180-7AA3-40DB-BE6F-E2611F09D17F}" type="datetime1">
               <a:rPr lang="en-GB" smtClean="0"/>
-              <a:t>17/05/2022</a:t>
+              <a:t>23/05/2022</a:t>
             </a:fld>
             <a:endParaRPr lang="de-DE" dirty="0"/>
           </a:p>
@@ -4194,7 +4194,7 @@
           <a:p>
             <a:fld id="{DB760A15-FEE6-403E-8B89-A457E4D16669}" type="datetime1">
               <a:rPr lang="en-GB" smtClean="0"/>
-              <a:t>17/05/2022</a:t>
+              <a:t>23/05/2022</a:t>
             </a:fld>
             <a:endParaRPr lang="de-DE" dirty="0"/>
           </a:p>
@@ -5033,7 +5033,7 @@
           <a:p>
             <a:fld id="{1E9081BD-5472-4BDF-8186-06740117F499}" type="datetime1">
               <a:rPr lang="en-GB" smtClean="0"/>
-              <a:t>17/05/2022</a:t>
+              <a:t>23/05/2022</a:t>
             </a:fld>
             <a:endParaRPr lang="de-DE" dirty="0"/>
           </a:p>
@@ -6518,7 +6518,7 @@
           <a:p>
             <a:fld id="{D1B93127-1A6E-4983-902B-051FDE5E2C1D}" type="datetime1">
               <a:rPr lang="en-GB" smtClean="0"/>
-              <a:t>17/05/2022</a:t>
+              <a:t>23/05/2022</a:t>
             </a:fld>
             <a:endParaRPr lang="de-DE" dirty="0"/>
           </a:p>
@@ -6639,7 +6639,7 @@
           <a:p>
             <a:fld id="{A21DA80D-A120-4CCC-8265-575ED579FDF3}" type="datetime1">
               <a:rPr lang="en-GB" smtClean="0"/>
-              <a:t>17/05/2022</a:t>
+              <a:t>23/05/2022</a:t>
             </a:fld>
             <a:endParaRPr lang="de-DE" dirty="0"/>
           </a:p>
@@ -10006,7 +10006,7 @@
           <a:p>
             <a:fld id="{8B30BE60-6866-43BE-A977-FE272E3FEB5A}" type="datetime1">
               <a:rPr lang="en-GB" smtClean="0"/>
-              <a:t>17/05/2022</a:t>
+              <a:t>23/05/2022</a:t>
             </a:fld>
             <a:endParaRPr lang="de-DE" dirty="0"/>
           </a:p>
@@ -10189,7 +10189,7 @@
           <a:p>
             <a:fld id="{97884B52-878B-4F88-A36B-0CD058E88CA1}" type="datetime1">
               <a:rPr lang="en-GB" smtClean="0"/>
-              <a:t>17/05/2022</a:t>
+              <a:t>23/05/2022</a:t>
             </a:fld>
             <a:endParaRPr lang="de-DE" dirty="0"/>
           </a:p>
@@ -11122,7 +11122,7 @@
             <a:fld id="{8B30BE60-6866-43BE-A977-FE272E3FEB5A}" type="datetime1">
               <a:rPr lang="en-GB" smtClean="0"/>
               <a:pPr/>
-              <a:t>17/05/2022</a:t>
+              <a:t>23/05/2022</a:t>
             </a:fld>
             <a:endParaRPr lang="de-DE" dirty="0"/>
           </a:p>
@@ -11675,7 +11675,7 @@
           <a:p>
             <a:fld id="{DAFF6DC6-D146-472F-ADF2-F09E871FBE71}" type="datetime1">
               <a:rPr lang="en-GB" smtClean="0"/>
-              <a:t>17/05/2022</a:t>
+              <a:t>23/05/2022</a:t>
             </a:fld>
             <a:endParaRPr lang="de-DE" dirty="0"/>
           </a:p>
@@ -12275,7 +12275,7 @@
           <a:p>
             <a:fld id="{644405A6-A24C-4991-9FBB-01232160A38C}" type="datetime1">
               <a:rPr lang="en-GB" smtClean="0"/>
-              <a:t>17/05/2022</a:t>
+              <a:t>23/05/2022</a:t>
             </a:fld>
             <a:endParaRPr lang="en-US" dirty="0"/>
           </a:p>
@@ -13098,7 +13098,7 @@
           <a:p>
             <a:r>
               <a:rPr lang="en-US" dirty="0"/>
-              <a:t>Differences of Asynchronous Programming (AP) in ES6 / 7 / 8 / 9 / 10 / …</a:t>
+              <a:t>Differences of Asynchronous Programming (AP) constructs in ES6 / 7 / 8 / 9 / 10 / …</a:t>
             </a:r>
           </a:p>
           <a:p>
@@ -13679,42 +13679,6 @@
               <a:buFont typeface="Arial" panose="020B0604020202020204" pitchFamily="34" charset="0"/>
               <a:buChar char="•"/>
             </a:pPr>
-            <a:endParaRPr lang="de-DE" sz="1600" b="1" dirty="0">
-              <a:solidFill>
-                <a:srgbClr val="00B0F0"/>
-              </a:solidFill>
-            </a:endParaRPr>
-          </a:p>
-          <a:p>
-            <a:pPr marL="285750" indent="-285750">
-              <a:lnSpc>
-                <a:spcPct val="100000"/>
-              </a:lnSpc>
-              <a:spcBef>
-                <a:spcPts val="0"/>
-              </a:spcBef>
-              <a:spcAft>
-                <a:spcPts val="600"/>
-              </a:spcAft>
-              <a:buFont typeface="Arial" panose="020B0604020202020204" pitchFamily="34" charset="0"/>
-              <a:buChar char="•"/>
-            </a:pPr>
-            <a:r>
-              <a:rPr lang="de-DE" sz="1600" b="1" dirty="0">
-                <a:solidFill>
-                  <a:srgbClr val="00B0F0"/>
-                </a:solidFill>
-              </a:rPr>
-              <a:t>2nd </a:t>
-            </a:r>
-            <a:r>
-              <a:rPr lang="de-DE" sz="1600" b="1" dirty="0" err="1">
-                <a:solidFill>
-                  <a:srgbClr val="00B0F0"/>
-                </a:solidFill>
-              </a:rPr>
-              <a:t>supervisor</a:t>
-            </a:r>
             <a:endParaRPr lang="de-DE" sz="1600" b="1" dirty="0">
               <a:solidFill>
                 <a:srgbClr val="00B0F0"/>
